--- a/my_things/Presentation1.pptx
+++ b/my_things/Presentation1.pptx
@@ -247,7 +247,7 @@
           <a:p>
             <a:fld id="{F9721DF4-AD8D-48FD-8F20-B2C3FB388C63}" type="datetimeFigureOut">
               <a:rPr lang="de-DE" smtClean="0"/>
-              <a:t>21.09.2016</a:t>
+              <a:t>23.09.2016</a:t>
             </a:fld>
             <a:endParaRPr lang="de-DE"/>
           </a:p>
@@ -417,7 +417,7 @@
           <a:p>
             <a:fld id="{F9721DF4-AD8D-48FD-8F20-B2C3FB388C63}" type="datetimeFigureOut">
               <a:rPr lang="de-DE" smtClean="0"/>
-              <a:t>21.09.2016</a:t>
+              <a:t>23.09.2016</a:t>
             </a:fld>
             <a:endParaRPr lang="de-DE"/>
           </a:p>
@@ -597,7 +597,7 @@
           <a:p>
             <a:fld id="{F9721DF4-AD8D-48FD-8F20-B2C3FB388C63}" type="datetimeFigureOut">
               <a:rPr lang="de-DE" smtClean="0"/>
-              <a:t>21.09.2016</a:t>
+              <a:t>23.09.2016</a:t>
             </a:fld>
             <a:endParaRPr lang="de-DE"/>
           </a:p>
@@ -767,7 +767,7 @@
           <a:p>
             <a:fld id="{F9721DF4-AD8D-48FD-8F20-B2C3FB388C63}" type="datetimeFigureOut">
               <a:rPr lang="de-DE" smtClean="0"/>
-              <a:t>21.09.2016</a:t>
+              <a:t>23.09.2016</a:t>
             </a:fld>
             <a:endParaRPr lang="de-DE"/>
           </a:p>
@@ -1011,7 +1011,7 @@
           <a:p>
             <a:fld id="{F9721DF4-AD8D-48FD-8F20-B2C3FB388C63}" type="datetimeFigureOut">
               <a:rPr lang="de-DE" smtClean="0"/>
-              <a:t>21.09.2016</a:t>
+              <a:t>23.09.2016</a:t>
             </a:fld>
             <a:endParaRPr lang="de-DE"/>
           </a:p>
@@ -1243,7 +1243,7 @@
           <a:p>
             <a:fld id="{F9721DF4-AD8D-48FD-8F20-B2C3FB388C63}" type="datetimeFigureOut">
               <a:rPr lang="de-DE" smtClean="0"/>
-              <a:t>21.09.2016</a:t>
+              <a:t>23.09.2016</a:t>
             </a:fld>
             <a:endParaRPr lang="de-DE"/>
           </a:p>
@@ -1610,7 +1610,7 @@
           <a:p>
             <a:fld id="{F9721DF4-AD8D-48FD-8F20-B2C3FB388C63}" type="datetimeFigureOut">
               <a:rPr lang="de-DE" smtClean="0"/>
-              <a:t>21.09.2016</a:t>
+              <a:t>23.09.2016</a:t>
             </a:fld>
             <a:endParaRPr lang="de-DE"/>
           </a:p>
@@ -1728,7 +1728,7 @@
           <a:p>
             <a:fld id="{F9721DF4-AD8D-48FD-8F20-B2C3FB388C63}" type="datetimeFigureOut">
               <a:rPr lang="de-DE" smtClean="0"/>
-              <a:t>21.09.2016</a:t>
+              <a:t>23.09.2016</a:t>
             </a:fld>
             <a:endParaRPr lang="de-DE"/>
           </a:p>
@@ -1823,7 +1823,7 @@
           <a:p>
             <a:fld id="{F9721DF4-AD8D-48FD-8F20-B2C3FB388C63}" type="datetimeFigureOut">
               <a:rPr lang="de-DE" smtClean="0"/>
-              <a:t>21.09.2016</a:t>
+              <a:t>23.09.2016</a:t>
             </a:fld>
             <a:endParaRPr lang="de-DE"/>
           </a:p>
@@ -2100,7 +2100,7 @@
           <a:p>
             <a:fld id="{F9721DF4-AD8D-48FD-8F20-B2C3FB388C63}" type="datetimeFigureOut">
               <a:rPr lang="de-DE" smtClean="0"/>
-              <a:t>21.09.2016</a:t>
+              <a:t>23.09.2016</a:t>
             </a:fld>
             <a:endParaRPr lang="de-DE"/>
           </a:p>
@@ -2357,7 +2357,7 @@
           <a:p>
             <a:fld id="{F9721DF4-AD8D-48FD-8F20-B2C3FB388C63}" type="datetimeFigureOut">
               <a:rPr lang="de-DE" smtClean="0"/>
-              <a:t>21.09.2016</a:t>
+              <a:t>23.09.2016</a:t>
             </a:fld>
             <a:endParaRPr lang="de-DE"/>
           </a:p>
@@ -2570,7 +2570,7 @@
           <a:p>
             <a:fld id="{F9721DF4-AD8D-48FD-8F20-B2C3FB388C63}" type="datetimeFigureOut">
               <a:rPr lang="de-DE" smtClean="0"/>
-              <a:t>21.09.2016</a:t>
+              <a:t>23.09.2016</a:t>
             </a:fld>
             <a:endParaRPr lang="de-DE"/>
           </a:p>
@@ -3444,7 +3444,7 @@
           <a:graphicData uri="http://schemas.openxmlformats.org/presentationml/2006/ole">
             <mc:AlternateContent xmlns:mc="http://schemas.openxmlformats.org/markup-compatibility/2006">
               <mc:Choice xmlns:v="urn:schemas-microsoft-com:vml" Requires="v">
-                <p:oleObj spid="_x0000_s1056" name="CS ChemDraw Drawing" r:id="rId4" imgW="793746" imgH="920090" progId="ChemDraw.Document.6.0">
+                <p:oleObj spid="_x0000_s1062" name="CS ChemDraw Drawing" r:id="rId4" imgW="793746" imgH="920090" progId="ChemDraw.Document.6.0">
                   <p:embed/>
                 </p:oleObj>
               </mc:Choice>
@@ -3501,7 +3501,7 @@
           <a:graphicData uri="http://schemas.openxmlformats.org/presentationml/2006/ole">
             <mc:AlternateContent xmlns:mc="http://schemas.openxmlformats.org/markup-compatibility/2006">
               <mc:Choice xmlns:v="urn:schemas-microsoft-com:vml" Requires="v">
-                <p:oleObj spid="_x0000_s1057" name="CS ChemDraw Drawing" r:id="rId6" imgW="793746" imgH="920090" progId="ChemDraw.Document.6.0">
+                <p:oleObj spid="_x0000_s1063" name="CS ChemDraw Drawing" r:id="rId6" imgW="793746" imgH="920090" progId="ChemDraw.Document.6.0">
                   <p:embed/>
                 </p:oleObj>
               </mc:Choice>
@@ -3558,7 +3558,7 @@
           <a:graphicData uri="http://schemas.openxmlformats.org/presentationml/2006/ole">
             <mc:AlternateContent xmlns:mc="http://schemas.openxmlformats.org/markup-compatibility/2006">
               <mc:Choice xmlns:v="urn:schemas-microsoft-com:vml" Requires="v">
-                <p:oleObj spid="_x0000_s1058" name="CS ChemDraw Drawing" r:id="rId7" imgW="793746" imgH="920090" progId="ChemDraw.Document.6.0">
+                <p:oleObj spid="_x0000_s1064" name="CS ChemDraw Drawing" r:id="rId7" imgW="793746" imgH="920090" progId="ChemDraw.Document.6.0">
                   <p:embed/>
                 </p:oleObj>
               </mc:Choice>
@@ -3615,7 +3615,7 @@
           <a:graphicData uri="http://schemas.openxmlformats.org/presentationml/2006/ole">
             <mc:AlternateContent xmlns:mc="http://schemas.openxmlformats.org/markup-compatibility/2006">
               <mc:Choice xmlns:v="urn:schemas-microsoft-com:vml" Requires="v">
-                <p:oleObj spid="_x0000_s1059" name="CS ChemDraw Drawing" r:id="rId8" imgW="820880" imgH="769089" progId="ChemDraw.Document.6.0">
+                <p:oleObj spid="_x0000_s1065" name="CS ChemDraw Drawing" r:id="rId8" imgW="820880" imgH="769089" progId="ChemDraw.Document.6.0">
                   <p:embed/>
                 </p:oleObj>
               </mc:Choice>
@@ -3672,7 +3672,7 @@
           <a:graphicData uri="http://schemas.openxmlformats.org/presentationml/2006/ole">
             <mc:AlternateContent xmlns:mc="http://schemas.openxmlformats.org/markup-compatibility/2006">
               <mc:Choice xmlns:v="urn:schemas-microsoft-com:vml" Requires="v">
-                <p:oleObj spid="_x0000_s1060" name="CS ChemDraw Drawing" r:id="rId10" imgW="820880" imgH="769089" progId="ChemDraw.Document.6.0">
+                <p:oleObj spid="_x0000_s1066" name="CS ChemDraw Drawing" r:id="rId10" imgW="820880" imgH="769089" progId="ChemDraw.Document.6.0">
                   <p:embed/>
                 </p:oleObj>
               </mc:Choice>
@@ -3729,7 +3729,7 @@
           <a:graphicData uri="http://schemas.openxmlformats.org/presentationml/2006/ole">
             <mc:AlternateContent xmlns:mc="http://schemas.openxmlformats.org/markup-compatibility/2006">
               <mc:Choice xmlns:v="urn:schemas-microsoft-com:vml" Requires="v">
-                <p:oleObj spid="_x0000_s1061" name="CS ChemDraw Drawing" r:id="rId11" imgW="820880" imgH="769089" progId="ChemDraw.Document.6.0">
+                <p:oleObj spid="_x0000_s1067" name="CS ChemDraw Drawing" r:id="rId11" imgW="820880" imgH="769089" progId="ChemDraw.Document.6.0">
                   <p:embed/>
                 </p:oleObj>
               </mc:Choice>
@@ -3794,35 +3794,6 @@
           <a:chExt cx="0" cy="0"/>
         </a:xfrm>
       </p:grpSpPr>
-      <p:pic>
-        <p:nvPicPr>
-          <p:cNvPr id="4" name="Content Placeholder 3"/>
-          <p:cNvPicPr>
-            <a:picLocks noGrp="1" noChangeAspect="1"/>
-          </p:cNvPicPr>
-          <p:nvPr>
-            <p:ph idx="1"/>
-          </p:nvPr>
-        </p:nvPicPr>
-        <p:blipFill>
-          <a:blip r:embed="rId3">
-            <a:extLst>
-              <a:ext uri="{28A0092B-C50C-407E-A947-70E740481C1C}">
-                <a14:useLocalDpi xmlns:a14="http://schemas.microsoft.com/office/drawing/2010/main" val="0"/>
-              </a:ext>
-            </a:extLst>
-          </a:blip>
-          <a:stretch>
-            <a:fillRect/>
-          </a:stretch>
-        </p:blipFill>
-        <p:spPr>
-          <a:xfrm>
-            <a:off x="258617" y="1304636"/>
-            <a:ext cx="8885383" cy="5553364"/>
-          </a:xfrm>
-        </p:spPr>
-      </p:pic>
       <p:graphicFrame>
         <p:nvGraphicFramePr>
           <p:cNvPr id="6" name="Object 5"/>
@@ -3845,12 +3816,12 @@
           <a:graphicData uri="http://schemas.openxmlformats.org/presentationml/2006/ole">
             <mc:AlternateContent xmlns:mc="http://schemas.openxmlformats.org/markup-compatibility/2006">
               <mc:Choice xmlns:v="urn:schemas-microsoft-com:vml" Requires="v">
-                <p:oleObj spid="_x0000_s2074" name="CS ChemDraw Drawing" r:id="rId4" imgW="965592" imgH="770534" progId="ChemDraw.Document.6.0">
+                <p:oleObj spid="_x0000_s2080" name="CS ChemDraw Drawing" r:id="rId3" imgW="965592" imgH="770534" progId="ChemDraw.Document.6.0">
                   <p:embed/>
                 </p:oleObj>
               </mc:Choice>
               <mc:Fallback>
-                <p:oleObj name="CS ChemDraw Drawing" r:id="rId4" imgW="965592" imgH="770534" progId="ChemDraw.Document.6.0">
+                <p:oleObj name="CS ChemDraw Drawing" r:id="rId3" imgW="965592" imgH="770534" progId="ChemDraw.Document.6.0">
                   <p:embed/>
                   <p:pic>
                     <p:nvPicPr>
@@ -3859,7 +3830,7 @@
                       <p:nvPr/>
                     </p:nvPicPr>
                     <p:blipFill>
-                      <a:blip r:embed="rId5"/>
+                      <a:blip r:embed="rId4"/>
                       <a:stretch>
                         <a:fillRect/>
                       </a:stretch>
@@ -3902,12 +3873,12 @@
           <a:graphicData uri="http://schemas.openxmlformats.org/presentationml/2006/ole">
             <mc:AlternateContent xmlns:mc="http://schemas.openxmlformats.org/markup-compatibility/2006">
               <mc:Choice xmlns:v="urn:schemas-microsoft-com:vml" Requires="v">
-                <p:oleObj spid="_x0000_s2075" name="CS ChemDraw Drawing" r:id="rId6" imgW="1083171" imgH="920090" progId="ChemDraw.Document.6.0">
+                <p:oleObj spid="_x0000_s2081" name="CS ChemDraw Drawing" r:id="rId5" imgW="1083171" imgH="920090" progId="ChemDraw.Document.6.0">
                   <p:embed/>
                 </p:oleObj>
               </mc:Choice>
               <mc:Fallback>
-                <p:oleObj name="CS ChemDraw Drawing" r:id="rId6" imgW="1083171" imgH="920090" progId="ChemDraw.Document.6.0">
+                <p:oleObj name="CS ChemDraw Drawing" r:id="rId5" imgW="1083171" imgH="920090" progId="ChemDraw.Document.6.0">
                   <p:embed/>
                   <p:pic>
                     <p:nvPicPr>
@@ -3916,7 +3887,7 @@
                       <p:nvPr/>
                     </p:nvPicPr>
                     <p:blipFill>
-                      <a:blip r:embed="rId7"/>
+                      <a:blip r:embed="rId6"/>
                       <a:stretch>
                         <a:fillRect/>
                       </a:stretch>
@@ -3959,12 +3930,12 @@
           <a:graphicData uri="http://schemas.openxmlformats.org/presentationml/2006/ole">
             <mc:AlternateContent xmlns:mc="http://schemas.openxmlformats.org/markup-compatibility/2006">
               <mc:Choice xmlns:v="urn:schemas-microsoft-com:vml" Requires="v">
-                <p:oleObj spid="_x0000_s2076" name="CS ChemDraw Drawing" r:id="rId8" imgW="938097" imgH="921535" progId="ChemDraw.Document.6.0">
+                <p:oleObj spid="_x0000_s2082" name="CS ChemDraw Drawing" r:id="rId7" imgW="938097" imgH="921535" progId="ChemDraw.Document.6.0">
                   <p:embed/>
                 </p:oleObj>
               </mc:Choice>
               <mc:Fallback>
-                <p:oleObj name="CS ChemDraw Drawing" r:id="rId8" imgW="938097" imgH="921535" progId="ChemDraw.Document.6.0">
+                <p:oleObj name="CS ChemDraw Drawing" r:id="rId7" imgW="938097" imgH="921535" progId="ChemDraw.Document.6.0">
                   <p:embed/>
                   <p:pic>
                     <p:nvPicPr>
@@ -3973,7 +3944,7 @@
                       <p:nvPr/>
                     </p:nvPicPr>
                     <p:blipFill>
-                      <a:blip r:embed="rId9"/>
+                      <a:blip r:embed="rId8"/>
                       <a:stretch>
                         <a:fillRect/>
                       </a:stretch>
@@ -4016,12 +3987,12 @@
           <a:graphicData uri="http://schemas.openxmlformats.org/presentationml/2006/ole">
             <mc:AlternateContent xmlns:mc="http://schemas.openxmlformats.org/markup-compatibility/2006">
               <mc:Choice xmlns:v="urn:schemas-microsoft-com:vml" Requires="v">
-                <p:oleObj spid="_x0000_s2077" name="CS ChemDraw Drawing" r:id="rId10" imgW="938097" imgH="920090" progId="ChemDraw.Document.6.0">
+                <p:oleObj spid="_x0000_s2083" name="CS ChemDraw Drawing" r:id="rId9" imgW="938097" imgH="920090" progId="ChemDraw.Document.6.0">
                   <p:embed/>
                 </p:oleObj>
               </mc:Choice>
               <mc:Fallback>
-                <p:oleObj name="CS ChemDraw Drawing" r:id="rId10" imgW="938097" imgH="920090" progId="ChemDraw.Document.6.0">
+                <p:oleObj name="CS ChemDraw Drawing" r:id="rId9" imgW="938097" imgH="920090" progId="ChemDraw.Document.6.0">
                   <p:embed/>
                   <p:pic>
                     <p:nvPicPr>
@@ -4030,7 +4001,7 @@
                       <p:nvPr/>
                     </p:nvPicPr>
                     <p:blipFill>
-                      <a:blip r:embed="rId11"/>
+                      <a:blip r:embed="rId10"/>
                       <a:stretch>
                         <a:fillRect/>
                       </a:stretch>
@@ -4073,12 +4044,12 @@
           <a:graphicData uri="http://schemas.openxmlformats.org/presentationml/2006/ole">
             <mc:AlternateContent xmlns:mc="http://schemas.openxmlformats.org/markup-compatibility/2006">
               <mc:Choice xmlns:v="urn:schemas-microsoft-com:vml" Requires="v">
-                <p:oleObj spid="_x0000_s2078" name="CS ChemDraw Drawing" r:id="rId12" imgW="929052" imgH="796544" progId="ChemDraw.Document.6.0">
+                <p:oleObj spid="_x0000_s2084" name="CS ChemDraw Drawing" r:id="rId11" imgW="929052" imgH="796544" progId="ChemDraw.Document.6.0">
                   <p:embed/>
                 </p:oleObj>
               </mc:Choice>
               <mc:Fallback>
-                <p:oleObj name="CS ChemDraw Drawing" r:id="rId12" imgW="929052" imgH="796544" progId="ChemDraw.Document.6.0">
+                <p:oleObj name="CS ChemDraw Drawing" r:id="rId11" imgW="929052" imgH="796544" progId="ChemDraw.Document.6.0">
                   <p:embed/>
                   <p:pic>
                     <p:nvPicPr>
@@ -4087,7 +4058,7 @@
                       <p:nvPr/>
                     </p:nvPicPr>
                     <p:blipFill>
-                      <a:blip r:embed="rId13"/>
+                      <a:blip r:embed="rId12"/>
                       <a:stretch>
                         <a:fillRect/>
                       </a:stretch>
@@ -4130,12 +4101,12 @@
           <a:graphicData uri="http://schemas.openxmlformats.org/presentationml/2006/ole">
             <mc:AlternateContent xmlns:mc="http://schemas.openxmlformats.org/markup-compatibility/2006">
               <mc:Choice xmlns:v="urn:schemas-microsoft-com:vml" Requires="v">
-                <p:oleObj spid="_x0000_s2079" name="CS ChemDraw Drawing" r:id="rId14" imgW="1048078" imgH="770534" progId="ChemDraw.Document.6.0">
+                <p:oleObj spid="_x0000_s2085" name="CS ChemDraw Drawing" r:id="rId13" imgW="1048078" imgH="770534" progId="ChemDraw.Document.6.0">
                   <p:embed/>
                 </p:oleObj>
               </mc:Choice>
               <mc:Fallback>
-                <p:oleObj name="CS ChemDraw Drawing" r:id="rId14" imgW="1048078" imgH="770534" progId="ChemDraw.Document.6.0">
+                <p:oleObj name="CS ChemDraw Drawing" r:id="rId13" imgW="1048078" imgH="770534" progId="ChemDraw.Document.6.0">
                   <p:embed/>
                   <p:pic>
                     <p:nvPicPr>
@@ -4144,7 +4115,7 @@
                       <p:nvPr/>
                     </p:nvPicPr>
                     <p:blipFill>
-                      <a:blip r:embed="rId15"/>
+                      <a:blip r:embed="rId14"/>
                       <a:stretch>
                         <a:fillRect/>
                       </a:stretch>
@@ -4165,6 +4136,35 @@
           </a:graphicData>
         </a:graphic>
       </p:graphicFrame>
+      <p:pic>
+        <p:nvPicPr>
+          <p:cNvPr id="3" name="Content Placeholder 2"/>
+          <p:cNvPicPr>
+            <a:picLocks noGrp="1" noChangeAspect="1"/>
+          </p:cNvPicPr>
+          <p:nvPr>
+            <p:ph idx="1"/>
+          </p:nvPr>
+        </p:nvPicPr>
+        <p:blipFill>
+          <a:blip r:embed="rId15">
+            <a:extLst>
+              <a:ext uri="{28A0092B-C50C-407E-A947-70E740481C1C}">
+                <a14:useLocalDpi xmlns:a14="http://schemas.microsoft.com/office/drawing/2010/main" val="0"/>
+              </a:ext>
+            </a:extLst>
+          </a:blip>
+          <a:stretch>
+            <a:fillRect/>
+          </a:stretch>
+        </p:blipFill>
+        <p:spPr>
+          <a:xfrm>
+            <a:off x="212674" y="1457339"/>
+            <a:ext cx="8931326" cy="5400661"/>
+          </a:xfrm>
+        </p:spPr>
+      </p:pic>
     </p:spTree>
     <p:extLst>
       <p:ext uri="{BB962C8B-B14F-4D97-AF65-F5344CB8AC3E}">
@@ -4217,7 +4217,7 @@
           <a:graphicData uri="http://schemas.openxmlformats.org/presentationml/2006/ole">
             <mc:AlternateContent xmlns:mc="http://schemas.openxmlformats.org/markup-compatibility/2006">
               <mc:Choice xmlns:v="urn:schemas-microsoft-com:vml" Requires="v">
-                <p:oleObj spid="_x0000_s3082" name="CS ChemDraw Drawing" r:id="rId3" imgW="897215" imgH="807381" progId="ChemDraw.Document.6.0">
+                <p:oleObj spid="_x0000_s3086" name="CS ChemDraw Drawing" r:id="rId3" imgW="897215" imgH="807381" progId="ChemDraw.Document.6.0">
                   <p:embed/>
                 </p:oleObj>
               </mc:Choice>
@@ -4274,7 +4274,7 @@
           <a:graphicData uri="http://schemas.openxmlformats.org/presentationml/2006/ole">
             <mc:AlternateContent xmlns:mc="http://schemas.openxmlformats.org/markup-compatibility/2006">
               <mc:Choice xmlns:v="urn:schemas-microsoft-com:vml" Requires="v">
-                <p:oleObj spid="_x0000_s3083" name="CS ChemDraw Drawing" r:id="rId5" imgW="897215" imgH="807381" progId="ChemDraw.Document.6.0">
+                <p:oleObj spid="_x0000_s3087" name="CS ChemDraw Drawing" r:id="rId5" imgW="897215" imgH="807381" progId="ChemDraw.Document.6.0">
                   <p:embed/>
                 </p:oleObj>
               </mc:Choice>
@@ -4331,7 +4331,7 @@
           <a:graphicData uri="http://schemas.openxmlformats.org/presentationml/2006/ole">
             <mc:AlternateContent xmlns:mc="http://schemas.openxmlformats.org/markup-compatibility/2006">
               <mc:Choice xmlns:v="urn:schemas-microsoft-com:vml" Requires="v">
-                <p:oleObj spid="_x0000_s3084" name="CS ChemDraw Drawing" r:id="rId6" imgW="1074126" imgH="807381" progId="ChemDraw.Document.6.0">
+                <p:oleObj spid="_x0000_s3088" name="CS ChemDraw Drawing" r:id="rId6" imgW="1074126" imgH="807381" progId="ChemDraw.Document.6.0">
                   <p:embed/>
                 </p:oleObj>
               </mc:Choice>
@@ -4388,7 +4388,7 @@
           <a:graphicData uri="http://schemas.openxmlformats.org/presentationml/2006/ole">
             <mc:AlternateContent xmlns:mc="http://schemas.openxmlformats.org/markup-compatibility/2006">
               <mc:Choice xmlns:v="urn:schemas-microsoft-com:vml" Requires="v">
-                <p:oleObj spid="_x0000_s3085" name="CS ChemDraw Drawing" r:id="rId8" imgW="1074126" imgH="807381" progId="ChemDraw.Document.6.0">
+                <p:oleObj spid="_x0000_s3089" name="CS ChemDraw Drawing" r:id="rId8" imgW="1074126" imgH="807381" progId="ChemDraw.Document.6.0">
                   <p:embed/>
                 </p:oleObj>
               </mc:Choice>
@@ -4504,7 +4504,7 @@
           <a:graphicData uri="http://schemas.openxmlformats.org/presentationml/2006/ole">
             <mc:AlternateContent xmlns:mc="http://schemas.openxmlformats.org/markup-compatibility/2006">
               <mc:Choice xmlns:v="urn:schemas-microsoft-com:vml" Requires="v">
-                <p:oleObj spid="_x0000_s4102" name="CS ChemDraw Drawing" r:id="rId3" imgW="1185193" imgH="839532" progId="ChemDraw.Document.6.0">
+                <p:oleObj spid="_x0000_s4106" name="CS ChemDraw Drawing" r:id="rId3" imgW="1185193" imgH="839532" progId="ChemDraw.Document.6.0">
                   <p:embed/>
                 </p:oleObj>
               </mc:Choice>
@@ -4561,7 +4561,7 @@
           <a:graphicData uri="http://schemas.openxmlformats.org/presentationml/2006/ole">
             <mc:AlternateContent xmlns:mc="http://schemas.openxmlformats.org/markup-compatibility/2006">
               <mc:Choice xmlns:v="urn:schemas-microsoft-com:vml" Requires="v">
-                <p:oleObj spid="_x0000_s4103" name="CS ChemDraw Drawing" r:id="rId5" imgW="1185193" imgH="808826" progId="ChemDraw.Document.6.0">
+                <p:oleObj spid="_x0000_s4107" name="CS ChemDraw Drawing" r:id="rId5" imgW="1185193" imgH="808826" progId="ChemDraw.Document.6.0">
                   <p:embed/>
                 </p:oleObj>
               </mc:Choice>
@@ -4618,7 +4618,7 @@
           <a:graphicData uri="http://schemas.openxmlformats.org/presentationml/2006/ole">
             <mc:AlternateContent xmlns:mc="http://schemas.openxmlformats.org/markup-compatibility/2006">
               <mc:Choice xmlns:v="urn:schemas-microsoft-com:vml" Requires="v">
-                <p:oleObj spid="_x0000_s4104" name="CS ChemDraw Drawing" r:id="rId7" imgW="1363550" imgH="808826" progId="ChemDraw.Document.6.0">
+                <p:oleObj spid="_x0000_s4108" name="CS ChemDraw Drawing" r:id="rId7" imgW="1363550" imgH="808826" progId="ChemDraw.Document.6.0">
                   <p:embed/>
                 </p:oleObj>
               </mc:Choice>
@@ -4675,7 +4675,7 @@
           <a:graphicData uri="http://schemas.openxmlformats.org/presentationml/2006/ole">
             <mc:AlternateContent xmlns:mc="http://schemas.openxmlformats.org/markup-compatibility/2006">
               <mc:Choice xmlns:v="urn:schemas-microsoft-com:vml" Requires="v">
-                <p:oleObj spid="_x0000_s4105" name="CS ChemDraw Drawing" r:id="rId9" imgW="1218838" imgH="807381" progId="ChemDraw.Document.6.0">
+                <p:oleObj spid="_x0000_s4109" name="CS ChemDraw Drawing" r:id="rId9" imgW="1218838" imgH="807381" progId="ChemDraw.Document.6.0">
                   <p:embed/>
                 </p:oleObj>
               </mc:Choice>
